--- a/files/slides/lecture_22.pptx
+++ b/files/slides/lecture_22.pptx
@@ -12587,7 +12587,7 @@
               <a:r>
                 <a:rPr lang="zh-CN" altLang="en-US" sz="2000" b="1" dirty="0">
                   <a:solidFill>
-                    <a:srgbClr val="FF0000"/>
+                    <a:srgbClr val="00B0F0"/>
                   </a:solidFill>
                   <a:latin typeface="微软雅黑" panose="020B0503020204020204" charset="-122"/>
                   <a:ea typeface="微软雅黑" panose="020B0503020204020204" charset="-122"/>
@@ -12990,7 +12990,7 @@
                 <a:latin typeface="微软雅黑" panose="020B0503020204020204" charset="-122"/>
                 <a:ea typeface="微软雅黑" panose="020B0503020204020204" charset="-122"/>
               </a:rPr>
-              <a:t>信用行业协会等</a:t>
+              <a:t>信用行业协会等（社会信用体系建设发展研究会，主办了中国信用网）</a:t>
             </a:r>
             <a:endParaRPr lang="zh-CN" altLang="en-US" sz="2800" dirty="0">
               <a:solidFill>
@@ -13171,7 +13171,7 @@
                   <a:noFill/>
                 </a:ln>
                 <a:solidFill>
-                  <a:srgbClr val="FF3399"/>
+                  <a:srgbClr val="00B0F0"/>
                 </a:solidFill>
                 <a:effectLst>
                   <a:outerShdw blurRad="38100" dist="38100" dir="2700000" algn="tl">
@@ -13191,7 +13191,7 @@
                 <a:noFill/>
               </a:ln>
               <a:solidFill>
-                <a:srgbClr val="FF3399"/>
+                <a:srgbClr val="00B0F0"/>
               </a:solidFill>
               <a:effectLst>
                 <a:outerShdw blurRad="38100" dist="38100" dir="2700000" algn="tl">
@@ -13262,7 +13262,7 @@
                   <a:noFill/>
                 </a:ln>
                 <a:solidFill>
-                  <a:srgbClr val="FF3399"/>
+                  <a:srgbClr val="00B0F0"/>
                 </a:solidFill>
                 <a:effectLst>
                   <a:outerShdw blurRad="38100" dist="38100" dir="2700000" algn="tl">
@@ -13282,7 +13282,7 @@
                 <a:noFill/>
               </a:ln>
               <a:solidFill>
-                <a:srgbClr val="FF3399"/>
+                <a:srgbClr val="00B0F0"/>
               </a:solidFill>
               <a:effectLst>
                 <a:outerShdw blurRad="38100" dist="38100" dir="2700000" algn="tl">
@@ -13353,7 +13353,7 @@
                   <a:noFill/>
                 </a:ln>
                 <a:solidFill>
-                  <a:srgbClr val="FF3399"/>
+                  <a:srgbClr val="00B0F0"/>
                 </a:solidFill>
                 <a:effectLst>
                   <a:outerShdw blurRad="38100" dist="38100" dir="2700000" algn="tl">
@@ -13373,7 +13373,7 @@
                 <a:noFill/>
               </a:ln>
               <a:solidFill>
-                <a:srgbClr val="FF3399"/>
+                <a:srgbClr val="00B0F0"/>
               </a:solidFill>
               <a:effectLst>
                 <a:outerShdw blurRad="38100" dist="38100" dir="2700000" algn="tl">
@@ -16366,7 +16366,7 @@
               <a:r>
                 <a:rPr lang="zh-CN" altLang="en-US" b="1" dirty="0">
                   <a:solidFill>
-                    <a:srgbClr val="FF33CC"/>
+                    <a:schemeClr val="tx1"/>
                   </a:solidFill>
                   <a:latin typeface="微软雅黑" panose="020B0503020204020204" charset="-122"/>
                   <a:ea typeface="微软雅黑" panose="020B0503020204020204" charset="-122"/>
@@ -16393,7 +16393,7 @@
               <a:r>
                 <a:rPr lang="zh-CN" altLang="en-US" b="1" dirty="0">
                   <a:solidFill>
-                    <a:srgbClr val="FF33CC"/>
+                    <a:schemeClr val="tx1"/>
                   </a:solidFill>
                   <a:latin typeface="微软雅黑" panose="020B0503020204020204" charset="-122"/>
                   <a:ea typeface="微软雅黑" panose="020B0503020204020204" charset="-122"/>
@@ -16420,7 +16420,7 @@
               <a:r>
                 <a:rPr lang="zh-CN" altLang="en-US" b="1" dirty="0">
                   <a:solidFill>
-                    <a:srgbClr val="FF33CC"/>
+                    <a:schemeClr val="tx1"/>
                   </a:solidFill>
                   <a:latin typeface="微软雅黑" panose="020B0503020204020204" charset="-122"/>
                   <a:ea typeface="微软雅黑" panose="020B0503020204020204" charset="-122"/>
@@ -16429,7 +16429,7 @@
               </a:r>
               <a:endParaRPr lang="zh-CN" altLang="en-US" b="1" dirty="0">
                 <a:solidFill>
-                  <a:srgbClr val="FF33CC"/>
+                  <a:schemeClr val="tx1"/>
                 </a:solidFill>
                 <a:latin typeface="微软雅黑" panose="020B0503020204020204" charset="-122"/>
                 <a:ea typeface="微软雅黑" panose="020B0503020204020204" charset="-122"/>
@@ -17340,13 +17340,24 @@
               <a:r>
                 <a:rPr lang="zh-CN" altLang="en-US" sz="2400" b="1" dirty="0">
                   <a:solidFill>
-                    <a:srgbClr val="0000FF"/>
+                    <a:schemeClr val="tx1"/>
                   </a:solidFill>
                   <a:latin typeface="微软雅黑" panose="020B0503020204020204" charset="-122"/>
                   <a:ea typeface="微软雅黑" panose="020B0503020204020204" charset="-122"/>
                   <a:cs typeface="微软雅黑" panose="020B0503020204020204" charset="-122"/>
                 </a:rPr>
-                <a:t>建立征信数据环境 </a:t>
+                <a:t>建立征信数据环境</a:t>
+              </a:r>
+              <a:r>
+                <a:rPr lang="zh-CN" altLang="en-US" sz="2400" b="1" dirty="0">
+                  <a:solidFill>
+                    <a:srgbClr val="0000FF"/>
+                  </a:solidFill>
+                  <a:latin typeface="微软雅黑" panose="020B0503020204020204" charset="-122"/>
+                  <a:ea typeface="微软雅黑" panose="020B0503020204020204" charset="-122"/>
+                  <a:cs typeface="微软雅黑" panose="020B0503020204020204" charset="-122"/>
+                </a:rPr>
+                <a:t> </a:t>
               </a:r>
               <a:endParaRPr lang="zh-CN" altLang="en-US" sz="2400" b="1" dirty="0">
                 <a:solidFill>
@@ -17398,7 +17409,7 @@
               <a:r>
                 <a:rPr lang="zh-CN" altLang="en-US" sz="2400" b="1" dirty="0">
                   <a:solidFill>
-                    <a:srgbClr val="0000FF"/>
+                    <a:schemeClr val="tx1"/>
                   </a:solidFill>
                   <a:latin typeface="微软雅黑" panose="020B0503020204020204" charset="-122"/>
                   <a:ea typeface="微软雅黑" panose="020B0503020204020204" charset="-122"/>
@@ -17471,13 +17482,24 @@
               <a:r>
                 <a:rPr lang="zh-CN" altLang="en-US" sz="2400" b="1" dirty="0">
                   <a:solidFill>
-                    <a:srgbClr val="0000FF"/>
+                    <a:schemeClr val="tx1"/>
                   </a:solidFill>
                   <a:latin typeface="微软雅黑" panose="020B0503020204020204" charset="-122"/>
                   <a:ea typeface="微软雅黑" panose="020B0503020204020204" charset="-122"/>
                   <a:cs typeface="微软雅黑" panose="020B0503020204020204" charset="-122"/>
                 </a:rPr>
-                <a:t>建立和加强行业协会等民间机构的自律管理 </a:t>
+                <a:t>建立和加强行业协会等民间机构的自律管理</a:t>
+              </a:r>
+              <a:r>
+                <a:rPr lang="zh-CN" altLang="en-US" sz="2400" b="1" dirty="0">
+                  <a:solidFill>
+                    <a:srgbClr val="0000FF"/>
+                  </a:solidFill>
+                  <a:latin typeface="微软雅黑" panose="020B0503020204020204" charset="-122"/>
+                  <a:ea typeface="微软雅黑" panose="020B0503020204020204" charset="-122"/>
+                  <a:cs typeface="微软雅黑" panose="020B0503020204020204" charset="-122"/>
+                </a:rPr>
+                <a:t> </a:t>
               </a:r>
               <a:endParaRPr lang="zh-CN" altLang="en-US" sz="2400" b="1" dirty="0">
                 <a:solidFill>
@@ -17547,24 +17569,13 @@
               <a:r>
                 <a:rPr lang="zh-CN" altLang="en-US" sz="2400" b="1" dirty="0">
                   <a:solidFill>
-                    <a:srgbClr val="0000FF"/>
+                    <a:schemeClr val="tx1"/>
                   </a:solidFill>
                   <a:latin typeface="微软雅黑" panose="020B0503020204020204" charset="-122"/>
                   <a:ea typeface="微软雅黑" panose="020B0503020204020204" charset="-122"/>
                   <a:cs typeface="微软雅黑" panose="020B0503020204020204" charset="-122"/>
                 </a:rPr>
-                <a:t>实施信用管理教育</a:t>
-              </a:r>
-              <a:r>
-                <a:rPr lang="zh-CN" altLang="en-US" sz="2400" b="1" dirty="0">
-                  <a:solidFill>
-                    <a:schemeClr val="tx1"/>
-                  </a:solidFill>
-                  <a:latin typeface="微软雅黑" panose="020B0503020204020204" charset="-122"/>
-                  <a:ea typeface="微软雅黑" panose="020B0503020204020204" charset="-122"/>
-                  <a:cs typeface="微软雅黑" panose="020B0503020204020204" charset="-122"/>
-                </a:rPr>
-                <a:t> </a:t>
+                <a:t>实施信用管理教育 </a:t>
               </a:r>
               <a:endParaRPr lang="zh-TW" altLang="en-US" sz="2400" b="1" dirty="0">
                 <a:solidFill>
@@ -17633,13 +17644,24 @@
               <a:r>
                 <a:rPr lang="zh-CN" altLang="en-US" sz="2400" b="1" dirty="0">
                   <a:solidFill>
-                    <a:srgbClr val="0000FF"/>
+                    <a:schemeClr val="tx1"/>
                   </a:solidFill>
                   <a:latin typeface="微软雅黑" panose="020B0503020204020204" charset="-122"/>
                   <a:ea typeface="微软雅黑" panose="020B0503020204020204" charset="-122"/>
                   <a:cs typeface="微软雅黑" panose="020B0503020204020204" charset="-122"/>
                 </a:rPr>
-                <a:t>订立信用管理从业人员的职业道德和操守规则 </a:t>
+                <a:t>订立信用管理从业人员的职业道德和操守规则</a:t>
+              </a:r>
+              <a:r>
+                <a:rPr lang="zh-CN" altLang="en-US" sz="2400" b="1" dirty="0">
+                  <a:solidFill>
+                    <a:srgbClr val="0000FF"/>
+                  </a:solidFill>
+                  <a:latin typeface="微软雅黑" panose="020B0503020204020204" charset="-122"/>
+                  <a:ea typeface="微软雅黑" panose="020B0503020204020204" charset="-122"/>
+                  <a:cs typeface="微软雅黑" panose="020B0503020204020204" charset="-122"/>
+                </a:rPr>
+                <a:t> </a:t>
               </a:r>
               <a:endParaRPr lang="zh-CN" altLang="en-US" sz="2400" b="1" dirty="0">
                 <a:solidFill>
@@ -17711,7 +17733,7 @@
               <a:r>
                 <a:rPr lang="zh-CN" altLang="en-US" sz="2400" b="1" dirty="0">
                   <a:solidFill>
-                    <a:srgbClr val="0000FF"/>
+                    <a:schemeClr val="tx1"/>
                   </a:solidFill>
                   <a:latin typeface="微软雅黑" panose="020B0503020204020204" charset="-122"/>
                   <a:ea typeface="微软雅黑" panose="020B0503020204020204" charset="-122"/>
